--- a/2021/6月/2021-06-03.pptx
+++ b/2021/6月/2021-06-03.pptx
@@ -37,6 +37,8 @@
     <p:sldId id="286" r:id="rId31"/>
     <p:sldId id="287" r:id="rId32"/>
     <p:sldId id="288" r:id="rId33"/>
+    <p:sldId id="290" r:id="rId34"/>
+    <p:sldId id="291" r:id="rId35"/>
   </p:sldIdLst>
   <p:sldSz cx="9144000" cy="5143500" type="screen16x9"/>
   <p:notesSz cx="6858000" cy="9144000"/>
@@ -319,7 +321,8 @@
           <a:p>
             <a:fld id="{0DCD088C-E37D-4485-A3FC-53E6969D0F62}" type="datetimeFigureOut">
               <a:rPr lang="zh-TW" altLang="en-US" smtClean="0"/>
-              <a:t>2021/5/24</a:t>
+              <a:pPr/>
+              <a:t>2021/11/4</a:t>
             </a:fld>
             <a:endParaRPr lang="zh-TW" altLang="en-US"/>
           </a:p>
@@ -361,6 +364,7 @@
           <a:p>
             <a:fld id="{C4A4C25D-FA33-42E2-B8F7-9BC8CA27E8E8}" type="slidenum">
               <a:rPr lang="zh-TW" altLang="en-US" smtClean="0"/>
+              <a:pPr/>
               <a:t>‹#›</a:t>
             </a:fld>
             <a:endParaRPr lang="zh-TW" altLang="en-US"/>
@@ -484,7 +488,8 @@
           <a:p>
             <a:fld id="{0DCD088C-E37D-4485-A3FC-53E6969D0F62}" type="datetimeFigureOut">
               <a:rPr lang="zh-TW" altLang="en-US" smtClean="0"/>
-              <a:t>2021/5/24</a:t>
+              <a:pPr/>
+              <a:t>2021/11/4</a:t>
             </a:fld>
             <a:endParaRPr lang="zh-TW" altLang="en-US"/>
           </a:p>
@@ -526,6 +531,7 @@
           <a:p>
             <a:fld id="{C4A4C25D-FA33-42E2-B8F7-9BC8CA27E8E8}" type="slidenum">
               <a:rPr lang="zh-TW" altLang="en-US" smtClean="0"/>
+              <a:pPr/>
               <a:t>‹#›</a:t>
             </a:fld>
             <a:endParaRPr lang="zh-TW" altLang="en-US"/>
@@ -659,7 +665,8 @@
           <a:p>
             <a:fld id="{0DCD088C-E37D-4485-A3FC-53E6969D0F62}" type="datetimeFigureOut">
               <a:rPr lang="zh-TW" altLang="en-US" smtClean="0"/>
-              <a:t>2021/5/24</a:t>
+              <a:pPr/>
+              <a:t>2021/11/4</a:t>
             </a:fld>
             <a:endParaRPr lang="zh-TW" altLang="en-US"/>
           </a:p>
@@ -701,6 +708,7 @@
           <a:p>
             <a:fld id="{C4A4C25D-FA33-42E2-B8F7-9BC8CA27E8E8}" type="slidenum">
               <a:rPr lang="zh-TW" altLang="en-US" smtClean="0"/>
+              <a:pPr/>
               <a:t>‹#›</a:t>
             </a:fld>
             <a:endParaRPr lang="zh-TW" altLang="en-US"/>
@@ -824,7 +832,8 @@
           <a:p>
             <a:fld id="{0DCD088C-E37D-4485-A3FC-53E6969D0F62}" type="datetimeFigureOut">
               <a:rPr lang="zh-TW" altLang="en-US" smtClean="0"/>
-              <a:t>2021/5/24</a:t>
+              <a:pPr/>
+              <a:t>2021/11/4</a:t>
             </a:fld>
             <a:endParaRPr lang="zh-TW" altLang="en-US"/>
           </a:p>
@@ -866,6 +875,7 @@
           <a:p>
             <a:fld id="{C4A4C25D-FA33-42E2-B8F7-9BC8CA27E8E8}" type="slidenum">
               <a:rPr lang="zh-TW" altLang="en-US" smtClean="0"/>
+              <a:pPr/>
               <a:t>‹#›</a:t>
             </a:fld>
             <a:endParaRPr lang="zh-TW" altLang="en-US"/>
@@ -1065,7 +1075,8 @@
           <a:p>
             <a:fld id="{0DCD088C-E37D-4485-A3FC-53E6969D0F62}" type="datetimeFigureOut">
               <a:rPr lang="zh-TW" altLang="en-US" smtClean="0"/>
-              <a:t>2021/5/24</a:t>
+              <a:pPr/>
+              <a:t>2021/11/4</a:t>
             </a:fld>
             <a:endParaRPr lang="zh-TW" altLang="en-US"/>
           </a:p>
@@ -1107,6 +1118,7 @@
           <a:p>
             <a:fld id="{C4A4C25D-FA33-42E2-B8F7-9BC8CA27E8E8}" type="slidenum">
               <a:rPr lang="zh-TW" altLang="en-US" smtClean="0"/>
+              <a:pPr/>
               <a:t>‹#›</a:t>
             </a:fld>
             <a:endParaRPr lang="zh-TW" altLang="en-US"/>
@@ -1348,7 +1360,8 @@
           <a:p>
             <a:fld id="{0DCD088C-E37D-4485-A3FC-53E6969D0F62}" type="datetimeFigureOut">
               <a:rPr lang="zh-TW" altLang="en-US" smtClean="0"/>
-              <a:t>2021/5/24</a:t>
+              <a:pPr/>
+              <a:t>2021/11/4</a:t>
             </a:fld>
             <a:endParaRPr lang="zh-TW" altLang="en-US"/>
           </a:p>
@@ -1390,6 +1403,7 @@
           <a:p>
             <a:fld id="{C4A4C25D-FA33-42E2-B8F7-9BC8CA27E8E8}" type="slidenum">
               <a:rPr lang="zh-TW" altLang="en-US" smtClean="0"/>
+              <a:pPr/>
               <a:t>‹#›</a:t>
             </a:fld>
             <a:endParaRPr lang="zh-TW" altLang="en-US"/>
@@ -1765,7 +1779,8 @@
           <a:p>
             <a:fld id="{0DCD088C-E37D-4485-A3FC-53E6969D0F62}" type="datetimeFigureOut">
               <a:rPr lang="zh-TW" altLang="en-US" smtClean="0"/>
-              <a:t>2021/5/24</a:t>
+              <a:pPr/>
+              <a:t>2021/11/4</a:t>
             </a:fld>
             <a:endParaRPr lang="zh-TW" altLang="en-US"/>
           </a:p>
@@ -1807,6 +1822,7 @@
           <a:p>
             <a:fld id="{C4A4C25D-FA33-42E2-B8F7-9BC8CA27E8E8}" type="slidenum">
               <a:rPr lang="zh-TW" altLang="en-US" smtClean="0"/>
+              <a:pPr/>
               <a:t>‹#›</a:t>
             </a:fld>
             <a:endParaRPr lang="zh-TW" altLang="en-US"/>
@@ -1878,7 +1894,8 @@
           <a:p>
             <a:fld id="{0DCD088C-E37D-4485-A3FC-53E6969D0F62}" type="datetimeFigureOut">
               <a:rPr lang="zh-TW" altLang="en-US" smtClean="0"/>
-              <a:t>2021/5/24</a:t>
+              <a:pPr/>
+              <a:t>2021/11/4</a:t>
             </a:fld>
             <a:endParaRPr lang="zh-TW" altLang="en-US"/>
           </a:p>
@@ -1920,6 +1937,7 @@
           <a:p>
             <a:fld id="{C4A4C25D-FA33-42E2-B8F7-9BC8CA27E8E8}" type="slidenum">
               <a:rPr lang="zh-TW" altLang="en-US" smtClean="0"/>
+              <a:pPr/>
               <a:t>‹#›</a:t>
             </a:fld>
             <a:endParaRPr lang="zh-TW" altLang="en-US"/>
@@ -1968,7 +1986,8 @@
           <a:p>
             <a:fld id="{0DCD088C-E37D-4485-A3FC-53E6969D0F62}" type="datetimeFigureOut">
               <a:rPr lang="zh-TW" altLang="en-US" smtClean="0"/>
-              <a:t>2021/5/24</a:t>
+              <a:pPr/>
+              <a:t>2021/11/4</a:t>
             </a:fld>
             <a:endParaRPr lang="zh-TW" altLang="en-US"/>
           </a:p>
@@ -2010,6 +2029,7 @@
           <a:p>
             <a:fld id="{C4A4C25D-FA33-42E2-B8F7-9BC8CA27E8E8}" type="slidenum">
               <a:rPr lang="zh-TW" altLang="en-US" smtClean="0"/>
+              <a:pPr/>
               <a:t>‹#›</a:t>
             </a:fld>
             <a:endParaRPr lang="zh-TW" altLang="en-US"/>
@@ -2240,7 +2260,8 @@
           <a:p>
             <a:fld id="{0DCD088C-E37D-4485-A3FC-53E6969D0F62}" type="datetimeFigureOut">
               <a:rPr lang="zh-TW" altLang="en-US" smtClean="0"/>
-              <a:t>2021/5/24</a:t>
+              <a:pPr/>
+              <a:t>2021/11/4</a:t>
             </a:fld>
             <a:endParaRPr lang="zh-TW" altLang="en-US"/>
           </a:p>
@@ -2282,6 +2303,7 @@
           <a:p>
             <a:fld id="{C4A4C25D-FA33-42E2-B8F7-9BC8CA27E8E8}" type="slidenum">
               <a:rPr lang="zh-TW" altLang="en-US" smtClean="0"/>
+              <a:pPr/>
               <a:t>‹#›</a:t>
             </a:fld>
             <a:endParaRPr lang="zh-TW" altLang="en-US"/>
@@ -2492,7 +2514,8 @@
           <a:p>
             <a:fld id="{0DCD088C-E37D-4485-A3FC-53E6969D0F62}" type="datetimeFigureOut">
               <a:rPr lang="zh-TW" altLang="en-US" smtClean="0"/>
-              <a:t>2021/5/24</a:t>
+              <a:pPr/>
+              <a:t>2021/11/4</a:t>
             </a:fld>
             <a:endParaRPr lang="zh-TW" altLang="en-US"/>
           </a:p>
@@ -2534,6 +2557,7 @@
           <a:p>
             <a:fld id="{C4A4C25D-FA33-42E2-B8F7-9BC8CA27E8E8}" type="slidenum">
               <a:rPr lang="zh-TW" altLang="en-US" smtClean="0"/>
+              <a:pPr/>
               <a:t>‹#›</a:t>
             </a:fld>
             <a:endParaRPr lang="zh-TW" altLang="en-US"/>
@@ -2705,7 +2729,8 @@
           <a:p>
             <a:fld id="{0DCD088C-E37D-4485-A3FC-53E6969D0F62}" type="datetimeFigureOut">
               <a:rPr lang="zh-TW" altLang="en-US" smtClean="0"/>
-              <a:t>2021/5/24</a:t>
+              <a:pPr/>
+              <a:t>2021/11/4</a:t>
             </a:fld>
             <a:endParaRPr lang="zh-TW" altLang="en-US"/>
           </a:p>
@@ -2783,6 +2808,7 @@
           <a:p>
             <a:fld id="{C4A4C25D-FA33-42E2-B8F7-9BC8CA27E8E8}" type="slidenum">
               <a:rPr lang="zh-TW" altLang="en-US" smtClean="0"/>
+              <a:pPr/>
               <a:t>‹#›</a:t>
             </a:fld>
             <a:endParaRPr lang="zh-TW" altLang="en-US"/>
@@ -3134,7 +3160,7 @@
     </p:spTree>
     <p:extLst>
       <p:ext uri="{BB962C8B-B14F-4D97-AF65-F5344CB8AC3E}">
-        <p14:creationId xmlns:p14="http://schemas.microsoft.com/office/powerpoint/2010/main" xmlns="" val="8011549"/>
+        <p14:creationId xmlns="" xmlns:p14="http://schemas.microsoft.com/office/powerpoint/2010/main" val="8011549"/>
       </p:ext>
     </p:extLst>
   </p:cSld>
@@ -3231,7 +3257,7 @@
     </p:spTree>
     <p:extLst>
       <p:ext uri="{BB962C8B-B14F-4D97-AF65-F5344CB8AC3E}">
-        <p14:creationId xmlns:p14="http://schemas.microsoft.com/office/powerpoint/2010/main" xmlns="" val="614024217"/>
+        <p14:creationId xmlns="" xmlns:p14="http://schemas.microsoft.com/office/powerpoint/2010/main" val="614024217"/>
       </p:ext>
     </p:extLst>
   </p:cSld>
@@ -3328,7 +3354,7 @@
     </p:spTree>
     <p:extLst>
       <p:ext uri="{BB962C8B-B14F-4D97-AF65-F5344CB8AC3E}">
-        <p14:creationId xmlns:p14="http://schemas.microsoft.com/office/powerpoint/2010/main" xmlns="" val="614024217"/>
+        <p14:creationId xmlns="" xmlns:p14="http://schemas.microsoft.com/office/powerpoint/2010/main" val="614024217"/>
       </p:ext>
     </p:extLst>
   </p:cSld>
@@ -3425,7 +3451,7 @@
     </p:spTree>
     <p:extLst>
       <p:ext uri="{BB962C8B-B14F-4D97-AF65-F5344CB8AC3E}">
-        <p14:creationId xmlns:p14="http://schemas.microsoft.com/office/powerpoint/2010/main" xmlns="" val="614024217"/>
+        <p14:creationId xmlns="" xmlns:p14="http://schemas.microsoft.com/office/powerpoint/2010/main" val="614024217"/>
       </p:ext>
     </p:extLst>
   </p:cSld>
@@ -3522,7 +3548,7 @@
     </p:spTree>
     <p:extLst>
       <p:ext uri="{BB962C8B-B14F-4D97-AF65-F5344CB8AC3E}">
-        <p14:creationId xmlns:p14="http://schemas.microsoft.com/office/powerpoint/2010/main" xmlns="" val="614024217"/>
+        <p14:creationId xmlns="" xmlns:p14="http://schemas.microsoft.com/office/powerpoint/2010/main" val="614024217"/>
       </p:ext>
     </p:extLst>
   </p:cSld>
@@ -3619,7 +3645,7 @@
     </p:spTree>
     <p:extLst>
       <p:ext uri="{BB962C8B-B14F-4D97-AF65-F5344CB8AC3E}">
-        <p14:creationId xmlns:p14="http://schemas.microsoft.com/office/powerpoint/2010/main" xmlns="" val="614024217"/>
+        <p14:creationId xmlns="" xmlns:p14="http://schemas.microsoft.com/office/powerpoint/2010/main" val="614024217"/>
       </p:ext>
     </p:extLst>
   </p:cSld>
@@ -3716,7 +3742,7 @@
     </p:spTree>
     <p:extLst>
       <p:ext uri="{BB962C8B-B14F-4D97-AF65-F5344CB8AC3E}">
-        <p14:creationId xmlns:p14="http://schemas.microsoft.com/office/powerpoint/2010/main" xmlns="" val="614024217"/>
+        <p14:creationId xmlns="" xmlns:p14="http://schemas.microsoft.com/office/powerpoint/2010/main" val="614024217"/>
       </p:ext>
     </p:extLst>
   </p:cSld>
@@ -3813,7 +3839,7 @@
     </p:spTree>
     <p:extLst>
       <p:ext uri="{BB962C8B-B14F-4D97-AF65-F5344CB8AC3E}">
-        <p14:creationId xmlns:p14="http://schemas.microsoft.com/office/powerpoint/2010/main" xmlns="" val="614024217"/>
+        <p14:creationId xmlns="" xmlns:p14="http://schemas.microsoft.com/office/powerpoint/2010/main" val="614024217"/>
       </p:ext>
     </p:extLst>
   </p:cSld>
@@ -3910,7 +3936,7 @@
     </p:spTree>
     <p:extLst>
       <p:ext uri="{BB962C8B-B14F-4D97-AF65-F5344CB8AC3E}">
-        <p14:creationId xmlns:p14="http://schemas.microsoft.com/office/powerpoint/2010/main" xmlns="" val="614024217"/>
+        <p14:creationId xmlns="" xmlns:p14="http://schemas.microsoft.com/office/powerpoint/2010/main" val="614024217"/>
       </p:ext>
     </p:extLst>
   </p:cSld>
@@ -3996,7 +4022,7 @@
     </p:spTree>
     <p:extLst>
       <p:ext uri="{BB962C8B-B14F-4D97-AF65-F5344CB8AC3E}">
-        <p14:creationId xmlns:p14="http://schemas.microsoft.com/office/powerpoint/2010/main" xmlns="" val="8011549"/>
+        <p14:creationId xmlns="" xmlns:p14="http://schemas.microsoft.com/office/powerpoint/2010/main" val="8011549"/>
       </p:ext>
     </p:extLst>
   </p:cSld>
@@ -4056,17 +4082,7 @@
                 <a:latin typeface="Microsoft JhengHei" pitchFamily="34" charset="-120"/>
                 <a:ea typeface="Microsoft JhengHei" pitchFamily="34" charset="-120"/>
               </a:rPr>
-              <a:t>上帝的恩典是何等</a:t>
-            </a:r>
-            <a:r>
-              <a:rPr lang="zh-TW" altLang="en-US" sz="4800" b="1" dirty="0" smtClean="0">
-                <a:solidFill>
-                  <a:srgbClr val="000066"/>
-                </a:solidFill>
-                <a:latin typeface="Microsoft JhengHei" pitchFamily="34" charset="-120"/>
-                <a:ea typeface="Microsoft JhengHei" pitchFamily="34" charset="-120"/>
-              </a:rPr>
-              <a:t>寶貴</a:t>
+              <a:t>上帝的恩典是何等寶貴</a:t>
             </a:r>
             <a:endParaRPr lang="en-US" altLang="zh-TW" sz="4800" b="1" dirty="0" smtClean="0">
               <a:solidFill>
@@ -4088,47 +4104,7 @@
                 <a:latin typeface="Microsoft JhengHei" pitchFamily="34" charset="-120"/>
                 <a:ea typeface="Microsoft JhengHei" pitchFamily="34" charset="-120"/>
               </a:rPr>
-              <a:t>祂</a:t>
-            </a:r>
-            <a:r>
-              <a:rPr lang="zh-TW" altLang="en-US" sz="4800" b="1" dirty="0" smtClean="0">
-                <a:solidFill>
-                  <a:srgbClr val="000066"/>
-                </a:solidFill>
-                <a:latin typeface="Microsoft JhengHei" pitchFamily="34" charset="-120"/>
-                <a:ea typeface="Microsoft JhengHei" pitchFamily="34" charset="-120"/>
-              </a:rPr>
-              <a:t>賜下了</a:t>
-            </a:r>
-            <a:r>
-              <a:rPr lang="zh-TW" altLang="en-US" sz="4800" b="1" dirty="0" smtClean="0">
-                <a:solidFill>
-                  <a:srgbClr val="000066"/>
-                </a:solidFill>
-                <a:latin typeface="Microsoft JhengHei" pitchFamily="34" charset="-120"/>
-                <a:ea typeface="Microsoft JhengHei" pitchFamily="34" charset="-120"/>
-              </a:rPr>
-              <a:t>光  賜</a:t>
-            </a:r>
-            <a:r>
-              <a:rPr lang="zh-TW" altLang="en-US" sz="4800" b="1" dirty="0" smtClean="0">
-                <a:solidFill>
-                  <a:srgbClr val="000066"/>
-                </a:solidFill>
-                <a:latin typeface="Microsoft JhengHei" pitchFamily="34" charset="-120"/>
-                <a:ea typeface="Microsoft JhengHei" pitchFamily="34" charset="-120"/>
-              </a:rPr>
-              <a:t>下了</a:t>
-            </a:r>
-            <a:r>
-              <a:rPr lang="zh-TW" altLang="en-US" sz="4800" b="1" dirty="0" smtClean="0">
-                <a:solidFill>
-                  <a:srgbClr val="000066"/>
-                </a:solidFill>
-                <a:latin typeface="Microsoft JhengHei" pitchFamily="34" charset="-120"/>
-                <a:ea typeface="Microsoft JhengHei" pitchFamily="34" charset="-120"/>
-              </a:rPr>
-              <a:t>寬恕</a:t>
+              <a:t>祂賜下了光  賜下了寬恕</a:t>
             </a:r>
             <a:endParaRPr lang="en-US" altLang="zh-TW" sz="4800" b="1" dirty="0">
               <a:solidFill>
@@ -4143,7 +4119,7 @@
     </p:spTree>
     <p:extLst>
       <p:ext uri="{BB962C8B-B14F-4D97-AF65-F5344CB8AC3E}">
-        <p14:creationId xmlns:p14="http://schemas.microsoft.com/office/powerpoint/2010/main" xmlns="" val="614024217"/>
+        <p14:creationId xmlns="" xmlns:p14="http://schemas.microsoft.com/office/powerpoint/2010/main" val="614024217"/>
       </p:ext>
     </p:extLst>
   </p:cSld>
@@ -4225,47 +4201,7 @@
                 <a:latin typeface="Microsoft JhengHei" pitchFamily="34" charset="-120"/>
                 <a:ea typeface="Microsoft JhengHei" pitchFamily="34" charset="-120"/>
               </a:rPr>
-              <a:t>仰望</a:t>
-            </a:r>
-            <a:r>
-              <a:rPr lang="zh-TW" altLang="en-US" sz="4800" b="1" dirty="0" smtClean="0">
-                <a:solidFill>
-                  <a:srgbClr val="000066"/>
-                </a:solidFill>
-                <a:latin typeface="Microsoft JhengHei" pitchFamily="34" charset="-120"/>
-                <a:ea typeface="Microsoft JhengHei" pitchFamily="34" charset="-120"/>
-              </a:rPr>
-              <a:t>十架</a:t>
-            </a:r>
-            <a:r>
-              <a:rPr lang="zh-TW" altLang="en-US" sz="4800" b="1" dirty="0" smtClean="0">
-                <a:solidFill>
-                  <a:srgbClr val="000066"/>
-                </a:solidFill>
-                <a:latin typeface="Microsoft JhengHei" pitchFamily="34" charset="-120"/>
-                <a:ea typeface="Microsoft JhengHei" pitchFamily="34" charset="-120"/>
-              </a:rPr>
-              <a:t>前  你</a:t>
-            </a:r>
-            <a:r>
-              <a:rPr lang="zh-TW" altLang="en-US" sz="4800" b="1" dirty="0" smtClean="0">
-                <a:solidFill>
-                  <a:srgbClr val="000066"/>
-                </a:solidFill>
-                <a:latin typeface="Microsoft JhengHei" pitchFamily="34" charset="-120"/>
-                <a:ea typeface="Microsoft JhengHei" pitchFamily="34" charset="-120"/>
-              </a:rPr>
-              <a:t>為我釘</a:t>
-            </a:r>
-            <a:r>
-              <a:rPr lang="zh-TW" altLang="en-US" sz="4800" b="1" dirty="0" smtClean="0">
-                <a:solidFill>
-                  <a:srgbClr val="000066"/>
-                </a:solidFill>
-                <a:latin typeface="Microsoft JhengHei" pitchFamily="34" charset="-120"/>
-                <a:ea typeface="Microsoft JhengHei" pitchFamily="34" charset="-120"/>
-              </a:rPr>
-              <a:t>身</a:t>
+              <a:t>仰望十架前  你為我釘身</a:t>
             </a:r>
             <a:endParaRPr lang="en-US" altLang="zh-TW" sz="4800" b="1" dirty="0">
               <a:solidFill>
@@ -4280,7 +4216,7 @@
     </p:spTree>
     <p:extLst>
       <p:ext uri="{BB962C8B-B14F-4D97-AF65-F5344CB8AC3E}">
-        <p14:creationId xmlns:p14="http://schemas.microsoft.com/office/powerpoint/2010/main" xmlns="" val="614024217"/>
+        <p14:creationId xmlns="" xmlns:p14="http://schemas.microsoft.com/office/powerpoint/2010/main" val="614024217"/>
       </p:ext>
     </p:extLst>
   </p:cSld>
@@ -4340,27 +4276,7 @@
                 <a:latin typeface="Microsoft JhengHei" pitchFamily="34" charset="-120"/>
                 <a:ea typeface="Microsoft JhengHei" pitchFamily="34" charset="-120"/>
               </a:rPr>
-              <a:t>賜</a:t>
-            </a:r>
-            <a:r>
-              <a:rPr lang="zh-TW" altLang="en-US" sz="4800" b="1" dirty="0" smtClean="0">
-                <a:solidFill>
-                  <a:srgbClr val="000066"/>
-                </a:solidFill>
-                <a:latin typeface="Microsoft JhengHei" pitchFamily="34" charset="-120"/>
-                <a:ea typeface="Microsoft JhengHei" pitchFamily="34" charset="-120"/>
-              </a:rPr>
-              <a:t>下了獨生的</a:t>
-            </a:r>
-            <a:r>
-              <a:rPr lang="zh-TW" altLang="en-US" sz="4800" b="1" dirty="0" smtClean="0">
-                <a:solidFill>
-                  <a:srgbClr val="000066"/>
-                </a:solidFill>
-                <a:latin typeface="Microsoft JhengHei" pitchFamily="34" charset="-120"/>
-                <a:ea typeface="Microsoft JhengHei" pitchFamily="34" charset="-120"/>
-              </a:rPr>
-              <a:t>愛子</a:t>
+              <a:t>賜下了獨生的愛子</a:t>
             </a:r>
             <a:endParaRPr lang="en-US" altLang="zh-TW" sz="4800" b="1" dirty="0">
               <a:solidFill>
@@ -4375,7 +4291,7 @@
     </p:spTree>
     <p:extLst>
       <p:ext uri="{BB962C8B-B14F-4D97-AF65-F5344CB8AC3E}">
-        <p14:creationId xmlns:p14="http://schemas.microsoft.com/office/powerpoint/2010/main" xmlns="" val="614024217"/>
+        <p14:creationId xmlns="" xmlns:p14="http://schemas.microsoft.com/office/powerpoint/2010/main" val="614024217"/>
       </p:ext>
     </p:extLst>
   </p:cSld>
@@ -4435,17 +4351,7 @@
                 <a:latin typeface="Microsoft JhengHei" pitchFamily="34" charset="-120"/>
                 <a:ea typeface="Microsoft JhengHei" pitchFamily="34" charset="-120"/>
               </a:rPr>
-              <a:t>在你的愛中我沒甚麼的</a:t>
-            </a:r>
-            <a:r>
-              <a:rPr lang="zh-TW" altLang="en-US" sz="4800" b="1" dirty="0" smtClean="0">
-                <a:solidFill>
-                  <a:srgbClr val="000066"/>
-                </a:solidFill>
-                <a:latin typeface="Microsoft JhengHei" pitchFamily="34" charset="-120"/>
-                <a:ea typeface="Microsoft JhengHei" pitchFamily="34" charset="-120"/>
-              </a:rPr>
-              <a:t>懼怕</a:t>
+              <a:t>在你的愛中我沒甚麼的懼怕</a:t>
             </a:r>
             <a:endParaRPr lang="en-US" altLang="zh-TW" sz="4800" b="1" dirty="0" smtClean="0">
               <a:solidFill>
@@ -4482,7 +4388,7 @@
     </p:spTree>
     <p:extLst>
       <p:ext uri="{BB962C8B-B14F-4D97-AF65-F5344CB8AC3E}">
-        <p14:creationId xmlns:p14="http://schemas.microsoft.com/office/powerpoint/2010/main" xmlns="" val="614024217"/>
+        <p14:creationId xmlns="" xmlns:p14="http://schemas.microsoft.com/office/powerpoint/2010/main" val="614024217"/>
       </p:ext>
     </p:extLst>
   </p:cSld>
@@ -4557,7 +4463,7 @@
     </p:spTree>
     <p:extLst>
       <p:ext uri="{BB962C8B-B14F-4D97-AF65-F5344CB8AC3E}">
-        <p14:creationId xmlns:p14="http://schemas.microsoft.com/office/powerpoint/2010/main" xmlns="" val="614024217"/>
+        <p14:creationId xmlns="" xmlns:p14="http://schemas.microsoft.com/office/powerpoint/2010/main" val="614024217"/>
       </p:ext>
     </p:extLst>
   </p:cSld>
@@ -4617,37 +4523,7 @@
                 <a:latin typeface="Microsoft JhengHei" pitchFamily="34" charset="-120"/>
                 <a:ea typeface="Microsoft JhengHei" pitchFamily="34" charset="-120"/>
               </a:rPr>
-              <a:t>神</a:t>
-            </a:r>
-            <a:r>
-              <a:rPr lang="zh-TW" altLang="en-US" sz="4800" b="1" dirty="0" smtClean="0">
-                <a:solidFill>
-                  <a:srgbClr val="000066"/>
-                </a:solidFill>
-                <a:latin typeface="Microsoft JhengHei" pitchFamily="34" charset="-120"/>
-                <a:ea typeface="Microsoft JhengHei" pitchFamily="34" charset="-120"/>
-              </a:rPr>
-              <a:t>啊  你</a:t>
-            </a:r>
-            <a:r>
-              <a:rPr lang="zh-TW" altLang="en-US" sz="4800" b="1" dirty="0" smtClean="0">
-                <a:solidFill>
-                  <a:srgbClr val="000066"/>
-                </a:solidFill>
-                <a:latin typeface="Microsoft JhengHei" pitchFamily="34" charset="-120"/>
-                <a:ea typeface="Microsoft JhengHei" pitchFamily="34" charset="-120"/>
-              </a:rPr>
-              <a:t>是配得那</a:t>
-            </a:r>
-            <a:r>
-              <a:rPr lang="zh-TW" altLang="en-US" sz="4800" b="1" dirty="0" smtClean="0">
-                <a:solidFill>
-                  <a:srgbClr val="000066"/>
-                </a:solidFill>
-                <a:latin typeface="Microsoft JhengHei" pitchFamily="34" charset="-120"/>
-                <a:ea typeface="Microsoft JhengHei" pitchFamily="34" charset="-120"/>
-              </a:rPr>
-              <a:t>尊貴</a:t>
+              <a:t>神啊  你是配得那尊貴</a:t>
             </a:r>
             <a:endParaRPr lang="en-US" altLang="zh-TW" sz="4800" b="1" dirty="0" smtClean="0">
               <a:solidFill>
@@ -4669,37 +4545,7 @@
                 <a:latin typeface="Microsoft JhengHei" pitchFamily="34" charset="-120"/>
                 <a:ea typeface="Microsoft JhengHei" pitchFamily="34" charset="-120"/>
               </a:rPr>
-              <a:t>大</a:t>
-            </a:r>
-            <a:r>
-              <a:rPr lang="zh-TW" altLang="en-US" sz="4800" b="1" dirty="0" smtClean="0">
-                <a:solidFill>
-                  <a:srgbClr val="000066"/>
-                </a:solidFill>
-                <a:latin typeface="Microsoft JhengHei" pitchFamily="34" charset="-120"/>
-                <a:ea typeface="Microsoft JhengHei" pitchFamily="34" charset="-120"/>
-              </a:rPr>
-              <a:t>愛似海般</a:t>
-            </a:r>
-            <a:r>
-              <a:rPr lang="zh-TW" altLang="en-US" sz="4800" b="1" dirty="0" smtClean="0">
-                <a:solidFill>
-                  <a:srgbClr val="000066"/>
-                </a:solidFill>
-                <a:latin typeface="Microsoft JhengHei" pitchFamily="34" charset="-120"/>
-                <a:ea typeface="Microsoft JhengHei" pitchFamily="34" charset="-120"/>
-              </a:rPr>
-              <a:t>深  恩典</a:t>
-            </a:r>
-            <a:r>
-              <a:rPr lang="zh-TW" altLang="en-US" sz="4800" b="1" dirty="0" smtClean="0">
-                <a:solidFill>
-                  <a:srgbClr val="000066"/>
-                </a:solidFill>
-                <a:latin typeface="Microsoft JhengHei" pitchFamily="34" charset="-120"/>
-                <a:ea typeface="Microsoft JhengHei" pitchFamily="34" charset="-120"/>
-              </a:rPr>
-              <a:t>夠我所用</a:t>
+              <a:t>大愛似海般深  恩典夠我所用</a:t>
             </a:r>
             <a:endParaRPr lang="en-US" altLang="zh-TW" sz="4800" b="1" dirty="0" smtClean="0">
               <a:solidFill>
@@ -4714,7 +4560,7 @@
     </p:spTree>
     <p:extLst>
       <p:ext uri="{BB962C8B-B14F-4D97-AF65-F5344CB8AC3E}">
-        <p14:creationId xmlns:p14="http://schemas.microsoft.com/office/powerpoint/2010/main" xmlns="" val="614024217"/>
+        <p14:creationId xmlns="" xmlns:p14="http://schemas.microsoft.com/office/powerpoint/2010/main" val="614024217"/>
       </p:ext>
     </p:extLst>
   </p:cSld>
@@ -4774,37 +4620,7 @@
                 <a:latin typeface="Microsoft JhengHei" pitchFamily="34" charset="-120"/>
                 <a:ea typeface="Microsoft JhengHei" pitchFamily="34" charset="-120"/>
               </a:rPr>
-              <a:t>神</a:t>
-            </a:r>
-            <a:r>
-              <a:rPr lang="zh-TW" altLang="en-US" sz="4800" b="1" dirty="0" smtClean="0">
-                <a:solidFill>
-                  <a:srgbClr val="000066"/>
-                </a:solidFill>
-                <a:latin typeface="Microsoft JhengHei" pitchFamily="34" charset="-120"/>
-                <a:ea typeface="Microsoft JhengHei" pitchFamily="34" charset="-120"/>
-              </a:rPr>
-              <a:t>啊  我</a:t>
-            </a:r>
-            <a:r>
-              <a:rPr lang="zh-TW" altLang="en-US" sz="4800" b="1" dirty="0" smtClean="0">
-                <a:solidFill>
-                  <a:srgbClr val="000066"/>
-                </a:solidFill>
-                <a:latin typeface="Microsoft JhengHei" pitchFamily="34" charset="-120"/>
-                <a:ea typeface="Microsoft JhengHei" pitchFamily="34" charset="-120"/>
-              </a:rPr>
-              <a:t>是如此的</a:t>
-            </a:r>
-            <a:r>
-              <a:rPr lang="zh-TW" altLang="en-US" sz="4800" b="1" dirty="0" smtClean="0">
-                <a:solidFill>
-                  <a:srgbClr val="000066"/>
-                </a:solidFill>
-                <a:latin typeface="Microsoft JhengHei" pitchFamily="34" charset="-120"/>
-                <a:ea typeface="Microsoft JhengHei" pitchFamily="34" charset="-120"/>
-              </a:rPr>
-              <a:t>寶貴</a:t>
+              <a:t>神啊  我是如此的寶貴</a:t>
             </a:r>
             <a:endParaRPr lang="en-US" altLang="zh-TW" sz="4800" b="1" dirty="0" smtClean="0">
               <a:solidFill>
@@ -4826,17 +4642,7 @@
                 <a:latin typeface="Microsoft JhengHei" pitchFamily="34" charset="-120"/>
                 <a:ea typeface="Microsoft JhengHei" pitchFamily="34" charset="-120"/>
               </a:rPr>
-              <a:t>我</a:t>
-            </a:r>
-            <a:r>
-              <a:rPr lang="zh-TW" altLang="en-US" sz="4800" b="1" dirty="0" smtClean="0">
-                <a:solidFill>
-                  <a:srgbClr val="000066"/>
-                </a:solidFill>
-                <a:latin typeface="Microsoft JhengHei" pitchFamily="34" charset="-120"/>
-                <a:ea typeface="Microsoft JhengHei" pitchFamily="34" charset="-120"/>
-              </a:rPr>
-              <a:t>願意用我這生榮耀你</a:t>
+              <a:t>我願意用我這生榮耀你</a:t>
             </a:r>
             <a:endParaRPr lang="en-US" altLang="zh-TW" sz="4800" b="1" dirty="0" smtClean="0">
               <a:solidFill>
@@ -4851,7 +4657,7 @@
     </p:spTree>
     <p:extLst>
       <p:ext uri="{BB962C8B-B14F-4D97-AF65-F5344CB8AC3E}">
-        <p14:creationId xmlns:p14="http://schemas.microsoft.com/office/powerpoint/2010/main" xmlns="" val="614024217"/>
+        <p14:creationId xmlns="" xmlns:p14="http://schemas.microsoft.com/office/powerpoint/2010/main" val="614024217"/>
       </p:ext>
     </p:extLst>
   </p:cSld>
@@ -4911,17 +4717,7 @@
                 <a:latin typeface="Microsoft JhengHei" pitchFamily="34" charset="-120"/>
                 <a:ea typeface="Microsoft JhengHei" pitchFamily="34" charset="-120"/>
               </a:rPr>
-              <a:t>上帝的恩典是何等</a:t>
-            </a:r>
-            <a:r>
-              <a:rPr lang="zh-TW" altLang="en-US" sz="4800" b="1" dirty="0" smtClean="0">
-                <a:solidFill>
-                  <a:srgbClr val="000066"/>
-                </a:solidFill>
-                <a:latin typeface="Microsoft JhengHei" pitchFamily="34" charset="-120"/>
-                <a:ea typeface="Microsoft JhengHei" pitchFamily="34" charset="-120"/>
-              </a:rPr>
-              <a:t>寶貴</a:t>
+              <a:t>上帝的恩典是何等寶貴</a:t>
             </a:r>
             <a:endParaRPr lang="en-US" altLang="zh-TW" sz="4800" b="1" dirty="0" smtClean="0">
               <a:solidFill>
@@ -4943,47 +4739,7 @@
                 <a:latin typeface="Microsoft JhengHei" pitchFamily="34" charset="-120"/>
                 <a:ea typeface="Microsoft JhengHei" pitchFamily="34" charset="-120"/>
               </a:rPr>
-              <a:t>祂</a:t>
-            </a:r>
-            <a:r>
-              <a:rPr lang="zh-TW" altLang="en-US" sz="4800" b="1" dirty="0" smtClean="0">
-                <a:solidFill>
-                  <a:srgbClr val="000066"/>
-                </a:solidFill>
-                <a:latin typeface="Microsoft JhengHei" pitchFamily="34" charset="-120"/>
-                <a:ea typeface="Microsoft JhengHei" pitchFamily="34" charset="-120"/>
-              </a:rPr>
-              <a:t>賜下了</a:t>
-            </a:r>
-            <a:r>
-              <a:rPr lang="zh-TW" altLang="en-US" sz="4800" b="1" dirty="0" smtClean="0">
-                <a:solidFill>
-                  <a:srgbClr val="000066"/>
-                </a:solidFill>
-                <a:latin typeface="Microsoft JhengHei" pitchFamily="34" charset="-120"/>
-                <a:ea typeface="Microsoft JhengHei" pitchFamily="34" charset="-120"/>
-              </a:rPr>
-              <a:t>光  賜</a:t>
-            </a:r>
-            <a:r>
-              <a:rPr lang="zh-TW" altLang="en-US" sz="4800" b="1" dirty="0" smtClean="0">
-                <a:solidFill>
-                  <a:srgbClr val="000066"/>
-                </a:solidFill>
-                <a:latin typeface="Microsoft JhengHei" pitchFamily="34" charset="-120"/>
-                <a:ea typeface="Microsoft JhengHei" pitchFamily="34" charset="-120"/>
-              </a:rPr>
-              <a:t>下了</a:t>
-            </a:r>
-            <a:r>
-              <a:rPr lang="zh-TW" altLang="en-US" sz="4800" b="1" dirty="0" smtClean="0">
-                <a:solidFill>
-                  <a:srgbClr val="000066"/>
-                </a:solidFill>
-                <a:latin typeface="Microsoft JhengHei" pitchFamily="34" charset="-120"/>
-                <a:ea typeface="Microsoft JhengHei" pitchFamily="34" charset="-120"/>
-              </a:rPr>
-              <a:t>寬恕</a:t>
+              <a:t>祂賜下了光  賜下了寬恕</a:t>
             </a:r>
             <a:endParaRPr lang="en-US" altLang="zh-TW" sz="4800" b="1" dirty="0">
               <a:solidFill>
@@ -4998,7 +4754,7 @@
     </p:spTree>
     <p:extLst>
       <p:ext uri="{BB962C8B-B14F-4D97-AF65-F5344CB8AC3E}">
-        <p14:creationId xmlns:p14="http://schemas.microsoft.com/office/powerpoint/2010/main" xmlns="" val="614024217"/>
+        <p14:creationId xmlns="" xmlns:p14="http://schemas.microsoft.com/office/powerpoint/2010/main" val="614024217"/>
       </p:ext>
     </p:extLst>
   </p:cSld>
@@ -5058,27 +4814,7 @@
                 <a:latin typeface="Microsoft JhengHei" pitchFamily="34" charset="-120"/>
                 <a:ea typeface="Microsoft JhengHei" pitchFamily="34" charset="-120"/>
               </a:rPr>
-              <a:t>賜</a:t>
-            </a:r>
-            <a:r>
-              <a:rPr lang="zh-TW" altLang="en-US" sz="4800" b="1" dirty="0" smtClean="0">
-                <a:solidFill>
-                  <a:srgbClr val="000066"/>
-                </a:solidFill>
-                <a:latin typeface="Microsoft JhengHei" pitchFamily="34" charset="-120"/>
-                <a:ea typeface="Microsoft JhengHei" pitchFamily="34" charset="-120"/>
-              </a:rPr>
-              <a:t>下了獨生的</a:t>
-            </a:r>
-            <a:r>
-              <a:rPr lang="zh-TW" altLang="en-US" sz="4800" b="1" dirty="0" smtClean="0">
-                <a:solidFill>
-                  <a:srgbClr val="000066"/>
-                </a:solidFill>
-                <a:latin typeface="Microsoft JhengHei" pitchFamily="34" charset="-120"/>
-                <a:ea typeface="Microsoft JhengHei" pitchFamily="34" charset="-120"/>
-              </a:rPr>
-              <a:t>愛子</a:t>
+              <a:t>賜下了獨生的愛子</a:t>
             </a:r>
             <a:endParaRPr lang="en-US" altLang="zh-TW" sz="4800" b="1" dirty="0">
               <a:solidFill>
@@ -5093,7 +4829,7 @@
     </p:spTree>
     <p:extLst>
       <p:ext uri="{BB962C8B-B14F-4D97-AF65-F5344CB8AC3E}">
-        <p14:creationId xmlns:p14="http://schemas.microsoft.com/office/powerpoint/2010/main" xmlns="" val="614024217"/>
+        <p14:creationId xmlns="" xmlns:p14="http://schemas.microsoft.com/office/powerpoint/2010/main" val="614024217"/>
       </p:ext>
     </p:extLst>
   </p:cSld>
@@ -5153,17 +4889,7 @@
                 <a:latin typeface="Microsoft JhengHei" pitchFamily="34" charset="-120"/>
                 <a:ea typeface="Microsoft JhengHei" pitchFamily="34" charset="-120"/>
               </a:rPr>
-              <a:t>在你的愛中我沒甚麼的</a:t>
-            </a:r>
-            <a:r>
-              <a:rPr lang="zh-TW" altLang="en-US" sz="4800" b="1" dirty="0" smtClean="0">
-                <a:solidFill>
-                  <a:srgbClr val="000066"/>
-                </a:solidFill>
-                <a:latin typeface="Microsoft JhengHei" pitchFamily="34" charset="-120"/>
-                <a:ea typeface="Microsoft JhengHei" pitchFamily="34" charset="-120"/>
-              </a:rPr>
-              <a:t>懼怕</a:t>
+              <a:t>在你的愛中我沒甚麼的懼怕</a:t>
             </a:r>
             <a:endParaRPr lang="en-US" altLang="zh-TW" sz="4800" b="1" dirty="0" smtClean="0">
               <a:solidFill>
@@ -5200,7 +4926,7 @@
     </p:spTree>
     <p:extLst>
       <p:ext uri="{BB962C8B-B14F-4D97-AF65-F5344CB8AC3E}">
-        <p14:creationId xmlns:p14="http://schemas.microsoft.com/office/powerpoint/2010/main" xmlns="" val="614024217"/>
+        <p14:creationId xmlns="" xmlns:p14="http://schemas.microsoft.com/office/powerpoint/2010/main" val="614024217"/>
       </p:ext>
     </p:extLst>
   </p:cSld>
@@ -5275,7 +5001,7 @@
     </p:spTree>
     <p:extLst>
       <p:ext uri="{BB962C8B-B14F-4D97-AF65-F5344CB8AC3E}">
-        <p14:creationId xmlns:p14="http://schemas.microsoft.com/office/powerpoint/2010/main" xmlns="" val="614024217"/>
+        <p14:creationId xmlns="" xmlns:p14="http://schemas.microsoft.com/office/powerpoint/2010/main" val="614024217"/>
       </p:ext>
     </p:extLst>
   </p:cSld>
@@ -5335,37 +5061,7 @@
                 <a:latin typeface="Microsoft JhengHei" pitchFamily="34" charset="-120"/>
                 <a:ea typeface="Microsoft JhengHei" pitchFamily="34" charset="-120"/>
               </a:rPr>
-              <a:t>神</a:t>
-            </a:r>
-            <a:r>
-              <a:rPr lang="zh-TW" altLang="en-US" sz="4800" b="1" dirty="0" smtClean="0">
-                <a:solidFill>
-                  <a:srgbClr val="000066"/>
-                </a:solidFill>
-                <a:latin typeface="Microsoft JhengHei" pitchFamily="34" charset="-120"/>
-                <a:ea typeface="Microsoft JhengHei" pitchFamily="34" charset="-120"/>
-              </a:rPr>
-              <a:t>啊  你</a:t>
-            </a:r>
-            <a:r>
-              <a:rPr lang="zh-TW" altLang="en-US" sz="4800" b="1" dirty="0" smtClean="0">
-                <a:solidFill>
-                  <a:srgbClr val="000066"/>
-                </a:solidFill>
-                <a:latin typeface="Microsoft JhengHei" pitchFamily="34" charset="-120"/>
-                <a:ea typeface="Microsoft JhengHei" pitchFamily="34" charset="-120"/>
-              </a:rPr>
-              <a:t>是配得那</a:t>
-            </a:r>
-            <a:r>
-              <a:rPr lang="zh-TW" altLang="en-US" sz="4800" b="1" dirty="0" smtClean="0">
-                <a:solidFill>
-                  <a:srgbClr val="000066"/>
-                </a:solidFill>
-                <a:latin typeface="Microsoft JhengHei" pitchFamily="34" charset="-120"/>
-                <a:ea typeface="Microsoft JhengHei" pitchFamily="34" charset="-120"/>
-              </a:rPr>
-              <a:t>尊貴</a:t>
+              <a:t>神啊  你是配得那尊貴</a:t>
             </a:r>
             <a:endParaRPr lang="en-US" altLang="zh-TW" sz="4800" b="1" dirty="0" smtClean="0">
               <a:solidFill>
@@ -5387,37 +5083,7 @@
                 <a:latin typeface="Microsoft JhengHei" pitchFamily="34" charset="-120"/>
                 <a:ea typeface="Microsoft JhengHei" pitchFamily="34" charset="-120"/>
               </a:rPr>
-              <a:t>大</a:t>
-            </a:r>
-            <a:r>
-              <a:rPr lang="zh-TW" altLang="en-US" sz="4800" b="1" dirty="0" smtClean="0">
-                <a:solidFill>
-                  <a:srgbClr val="000066"/>
-                </a:solidFill>
-                <a:latin typeface="Microsoft JhengHei" pitchFamily="34" charset="-120"/>
-                <a:ea typeface="Microsoft JhengHei" pitchFamily="34" charset="-120"/>
-              </a:rPr>
-              <a:t>愛似海般</a:t>
-            </a:r>
-            <a:r>
-              <a:rPr lang="zh-TW" altLang="en-US" sz="4800" b="1" dirty="0" smtClean="0">
-                <a:solidFill>
-                  <a:srgbClr val="000066"/>
-                </a:solidFill>
-                <a:latin typeface="Microsoft JhengHei" pitchFamily="34" charset="-120"/>
-                <a:ea typeface="Microsoft JhengHei" pitchFamily="34" charset="-120"/>
-              </a:rPr>
-              <a:t>深  恩典</a:t>
-            </a:r>
-            <a:r>
-              <a:rPr lang="zh-TW" altLang="en-US" sz="4800" b="1" dirty="0" smtClean="0">
-                <a:solidFill>
-                  <a:srgbClr val="000066"/>
-                </a:solidFill>
-                <a:latin typeface="Microsoft JhengHei" pitchFamily="34" charset="-120"/>
-                <a:ea typeface="Microsoft JhengHei" pitchFamily="34" charset="-120"/>
-              </a:rPr>
-              <a:t>夠我所用</a:t>
+              <a:t>大愛似海般深  恩典夠我所用</a:t>
             </a:r>
             <a:endParaRPr lang="en-US" altLang="zh-TW" sz="4800" b="1" dirty="0" smtClean="0">
               <a:solidFill>
@@ -5432,7 +5098,7 @@
     </p:spTree>
     <p:extLst>
       <p:ext uri="{BB962C8B-B14F-4D97-AF65-F5344CB8AC3E}">
-        <p14:creationId xmlns:p14="http://schemas.microsoft.com/office/powerpoint/2010/main" xmlns="" val="614024217"/>
+        <p14:creationId xmlns="" xmlns:p14="http://schemas.microsoft.com/office/powerpoint/2010/main" val="614024217"/>
       </p:ext>
     </p:extLst>
   </p:cSld>
@@ -5529,7 +5195,7 @@
     </p:spTree>
     <p:extLst>
       <p:ext uri="{BB962C8B-B14F-4D97-AF65-F5344CB8AC3E}">
-        <p14:creationId xmlns:p14="http://schemas.microsoft.com/office/powerpoint/2010/main" xmlns="" val="614024217"/>
+        <p14:creationId xmlns="" xmlns:p14="http://schemas.microsoft.com/office/powerpoint/2010/main" val="614024217"/>
       </p:ext>
     </p:extLst>
   </p:cSld>
@@ -5589,37 +5255,7 @@
                 <a:latin typeface="Microsoft JhengHei" pitchFamily="34" charset="-120"/>
                 <a:ea typeface="Microsoft JhengHei" pitchFamily="34" charset="-120"/>
               </a:rPr>
-              <a:t>神</a:t>
-            </a:r>
-            <a:r>
-              <a:rPr lang="zh-TW" altLang="en-US" sz="4800" b="1" dirty="0" smtClean="0">
-                <a:solidFill>
-                  <a:srgbClr val="000066"/>
-                </a:solidFill>
-                <a:latin typeface="Microsoft JhengHei" pitchFamily="34" charset="-120"/>
-                <a:ea typeface="Microsoft JhengHei" pitchFamily="34" charset="-120"/>
-              </a:rPr>
-              <a:t>啊  我</a:t>
-            </a:r>
-            <a:r>
-              <a:rPr lang="zh-TW" altLang="en-US" sz="4800" b="1" dirty="0" smtClean="0">
-                <a:solidFill>
-                  <a:srgbClr val="000066"/>
-                </a:solidFill>
-                <a:latin typeface="Microsoft JhengHei" pitchFamily="34" charset="-120"/>
-                <a:ea typeface="Microsoft JhengHei" pitchFamily="34" charset="-120"/>
-              </a:rPr>
-              <a:t>是如此的</a:t>
-            </a:r>
-            <a:r>
-              <a:rPr lang="zh-TW" altLang="en-US" sz="4800" b="1" dirty="0" smtClean="0">
-                <a:solidFill>
-                  <a:srgbClr val="000066"/>
-                </a:solidFill>
-                <a:latin typeface="Microsoft JhengHei" pitchFamily="34" charset="-120"/>
-                <a:ea typeface="Microsoft JhengHei" pitchFamily="34" charset="-120"/>
-              </a:rPr>
-              <a:t>寶貴</a:t>
+              <a:t>神啊  我是如此的寶貴</a:t>
             </a:r>
             <a:endParaRPr lang="en-US" altLang="zh-TW" sz="4800" b="1" dirty="0" smtClean="0">
               <a:solidFill>
@@ -5641,17 +5277,7 @@
                 <a:latin typeface="Microsoft JhengHei" pitchFamily="34" charset="-120"/>
                 <a:ea typeface="Microsoft JhengHei" pitchFamily="34" charset="-120"/>
               </a:rPr>
-              <a:t>我</a:t>
-            </a:r>
-            <a:r>
-              <a:rPr lang="zh-TW" altLang="en-US" sz="4800" b="1" dirty="0" smtClean="0">
-                <a:solidFill>
-                  <a:srgbClr val="000066"/>
-                </a:solidFill>
-                <a:latin typeface="Microsoft JhengHei" pitchFamily="34" charset="-120"/>
-                <a:ea typeface="Microsoft JhengHei" pitchFamily="34" charset="-120"/>
-              </a:rPr>
-              <a:t>願意用我這生榮耀你</a:t>
+              <a:t>我願意用我這生榮耀你</a:t>
             </a:r>
             <a:endParaRPr lang="en-US" altLang="zh-TW" sz="4800" b="1" dirty="0" smtClean="0">
               <a:solidFill>
@@ -5666,7 +5292,7 @@
     </p:spTree>
     <p:extLst>
       <p:ext uri="{BB962C8B-B14F-4D97-AF65-F5344CB8AC3E}">
-        <p14:creationId xmlns:p14="http://schemas.microsoft.com/office/powerpoint/2010/main" xmlns="" val="614024217"/>
+        <p14:creationId xmlns="" xmlns:p14="http://schemas.microsoft.com/office/powerpoint/2010/main" val="614024217"/>
       </p:ext>
     </p:extLst>
   </p:cSld>
@@ -5726,37 +5352,7 @@
                 <a:latin typeface="Microsoft JhengHei" pitchFamily="34" charset="-120"/>
                 <a:ea typeface="Microsoft JhengHei" pitchFamily="34" charset="-120"/>
               </a:rPr>
-              <a:t>神</a:t>
-            </a:r>
-            <a:r>
-              <a:rPr lang="zh-TW" altLang="en-US" sz="4800" b="1" dirty="0" smtClean="0">
-                <a:solidFill>
-                  <a:srgbClr val="000066"/>
-                </a:solidFill>
-                <a:latin typeface="Microsoft JhengHei" pitchFamily="34" charset="-120"/>
-                <a:ea typeface="Microsoft JhengHei" pitchFamily="34" charset="-120"/>
-              </a:rPr>
-              <a:t>啊  你</a:t>
-            </a:r>
-            <a:r>
-              <a:rPr lang="zh-TW" altLang="en-US" sz="4800" b="1" dirty="0" smtClean="0">
-                <a:solidFill>
-                  <a:srgbClr val="000066"/>
-                </a:solidFill>
-                <a:latin typeface="Microsoft JhengHei" pitchFamily="34" charset="-120"/>
-                <a:ea typeface="Microsoft JhengHei" pitchFamily="34" charset="-120"/>
-              </a:rPr>
-              <a:t>是配得那</a:t>
-            </a:r>
-            <a:r>
-              <a:rPr lang="zh-TW" altLang="en-US" sz="4800" b="1" dirty="0" smtClean="0">
-                <a:solidFill>
-                  <a:srgbClr val="000066"/>
-                </a:solidFill>
-                <a:latin typeface="Microsoft JhengHei" pitchFamily="34" charset="-120"/>
-                <a:ea typeface="Microsoft JhengHei" pitchFamily="34" charset="-120"/>
-              </a:rPr>
-              <a:t>尊貴</a:t>
+              <a:t>神啊  你是配得那尊貴</a:t>
             </a:r>
             <a:endParaRPr lang="en-US" altLang="zh-TW" sz="4800" b="1" dirty="0" smtClean="0">
               <a:solidFill>
@@ -5778,37 +5374,7 @@
                 <a:latin typeface="Microsoft JhengHei" pitchFamily="34" charset="-120"/>
                 <a:ea typeface="Microsoft JhengHei" pitchFamily="34" charset="-120"/>
               </a:rPr>
-              <a:t>大</a:t>
-            </a:r>
-            <a:r>
-              <a:rPr lang="zh-TW" altLang="en-US" sz="4800" b="1" dirty="0" smtClean="0">
-                <a:solidFill>
-                  <a:srgbClr val="000066"/>
-                </a:solidFill>
-                <a:latin typeface="Microsoft JhengHei" pitchFamily="34" charset="-120"/>
-                <a:ea typeface="Microsoft JhengHei" pitchFamily="34" charset="-120"/>
-              </a:rPr>
-              <a:t>愛似海般</a:t>
-            </a:r>
-            <a:r>
-              <a:rPr lang="zh-TW" altLang="en-US" sz="4800" b="1" dirty="0" smtClean="0">
-                <a:solidFill>
-                  <a:srgbClr val="000066"/>
-                </a:solidFill>
-                <a:latin typeface="Microsoft JhengHei" pitchFamily="34" charset="-120"/>
-                <a:ea typeface="Microsoft JhengHei" pitchFamily="34" charset="-120"/>
-              </a:rPr>
-              <a:t>深  恩典</a:t>
-            </a:r>
-            <a:r>
-              <a:rPr lang="zh-TW" altLang="en-US" sz="4800" b="1" dirty="0" smtClean="0">
-                <a:solidFill>
-                  <a:srgbClr val="000066"/>
-                </a:solidFill>
-                <a:latin typeface="Microsoft JhengHei" pitchFamily="34" charset="-120"/>
-                <a:ea typeface="Microsoft JhengHei" pitchFamily="34" charset="-120"/>
-              </a:rPr>
-              <a:t>夠我所用</a:t>
+              <a:t>大愛似海般深  恩典夠我所用</a:t>
             </a:r>
             <a:endParaRPr lang="en-US" altLang="zh-TW" sz="4800" b="1" dirty="0" smtClean="0">
               <a:solidFill>
@@ -5823,7 +5389,7 @@
     </p:spTree>
     <p:extLst>
       <p:ext uri="{BB962C8B-B14F-4D97-AF65-F5344CB8AC3E}">
-        <p14:creationId xmlns:p14="http://schemas.microsoft.com/office/powerpoint/2010/main" xmlns="" val="614024217"/>
+        <p14:creationId xmlns="" xmlns:p14="http://schemas.microsoft.com/office/powerpoint/2010/main" val="614024217"/>
       </p:ext>
     </p:extLst>
   </p:cSld>
@@ -5883,37 +5449,7 @@
                 <a:latin typeface="Microsoft JhengHei" pitchFamily="34" charset="-120"/>
                 <a:ea typeface="Microsoft JhengHei" pitchFamily="34" charset="-120"/>
               </a:rPr>
-              <a:t>神</a:t>
-            </a:r>
-            <a:r>
-              <a:rPr lang="zh-TW" altLang="en-US" sz="4800" b="1" dirty="0" smtClean="0">
-                <a:solidFill>
-                  <a:srgbClr val="000066"/>
-                </a:solidFill>
-                <a:latin typeface="Microsoft JhengHei" pitchFamily="34" charset="-120"/>
-                <a:ea typeface="Microsoft JhengHei" pitchFamily="34" charset="-120"/>
-              </a:rPr>
-              <a:t>啊  我</a:t>
-            </a:r>
-            <a:r>
-              <a:rPr lang="zh-TW" altLang="en-US" sz="4800" b="1" dirty="0" smtClean="0">
-                <a:solidFill>
-                  <a:srgbClr val="000066"/>
-                </a:solidFill>
-                <a:latin typeface="Microsoft JhengHei" pitchFamily="34" charset="-120"/>
-                <a:ea typeface="Microsoft JhengHei" pitchFamily="34" charset="-120"/>
-              </a:rPr>
-              <a:t>是如此的</a:t>
-            </a:r>
-            <a:r>
-              <a:rPr lang="zh-TW" altLang="en-US" sz="4800" b="1" dirty="0" smtClean="0">
-                <a:solidFill>
-                  <a:srgbClr val="000066"/>
-                </a:solidFill>
-                <a:latin typeface="Microsoft JhengHei" pitchFamily="34" charset="-120"/>
-                <a:ea typeface="Microsoft JhengHei" pitchFamily="34" charset="-120"/>
-              </a:rPr>
-              <a:t>寶貴</a:t>
+              <a:t>神啊  我是如此的寶貴</a:t>
             </a:r>
             <a:endParaRPr lang="en-US" altLang="zh-TW" sz="4800" b="1" dirty="0" smtClean="0">
               <a:solidFill>
@@ -5935,17 +5471,7 @@
                 <a:latin typeface="Microsoft JhengHei" pitchFamily="34" charset="-120"/>
                 <a:ea typeface="Microsoft JhengHei" pitchFamily="34" charset="-120"/>
               </a:rPr>
-              <a:t>我</a:t>
-            </a:r>
-            <a:r>
-              <a:rPr lang="zh-TW" altLang="en-US" sz="4800" b="1" dirty="0" smtClean="0">
-                <a:solidFill>
-                  <a:srgbClr val="000066"/>
-                </a:solidFill>
-                <a:latin typeface="Microsoft JhengHei" pitchFamily="34" charset="-120"/>
-                <a:ea typeface="Microsoft JhengHei" pitchFamily="34" charset="-120"/>
-              </a:rPr>
-              <a:t>願意用我這生榮耀你</a:t>
+              <a:t>我願意用我這生榮耀你</a:t>
             </a:r>
             <a:endParaRPr lang="en-US" altLang="zh-TW" sz="4800" b="1" dirty="0" smtClean="0">
               <a:solidFill>
@@ -5960,7 +5486,495 @@
     </p:spTree>
     <p:extLst>
       <p:ext uri="{BB962C8B-B14F-4D97-AF65-F5344CB8AC3E}">
-        <p14:creationId xmlns:p14="http://schemas.microsoft.com/office/powerpoint/2010/main" xmlns="" val="614024217"/>
+        <p14:creationId xmlns="" xmlns:p14="http://schemas.microsoft.com/office/powerpoint/2010/main" val="614024217"/>
+      </p:ext>
+    </p:extLst>
+  </p:cSld>
+  <p:clrMapOvr>
+    <a:masterClrMapping/>
+  </p:clrMapOvr>
+</p:sld>
+</file>
+
+<file path=ppt/slides/slide33.xml><?xml version="1.0" encoding="utf-8"?>
+<p:sld xmlns:a="http://schemas.openxmlformats.org/drawingml/2006/main" xmlns:r="http://schemas.openxmlformats.org/officeDocument/2006/relationships" xmlns:p="http://schemas.openxmlformats.org/presentationml/2006/main">
+  <p:cSld>
+    <p:spTree>
+      <p:nvGrpSpPr>
+        <p:cNvPr id="1" name=""/>
+        <p:cNvGrpSpPr/>
+        <p:nvPr/>
+      </p:nvGrpSpPr>
+      <p:grpSpPr>
+        <a:xfrm>
+          <a:off x="0" y="0"/>
+          <a:ext cx="0" cy="0"/>
+          <a:chOff x="0" y="0"/>
+          <a:chExt cx="0" cy="0"/>
+        </a:xfrm>
+      </p:grpSpPr>
+      <p:sp>
+        <p:nvSpPr>
+          <p:cNvPr id="2" name="標題 1"/>
+          <p:cNvSpPr>
+            <a:spLocks noGrp="1"/>
+          </p:cNvSpPr>
+          <p:nvPr>
+            <p:ph type="title" idx="4294967295"/>
+          </p:nvPr>
+        </p:nvSpPr>
+        <p:spPr>
+          <a:xfrm>
+            <a:off x="0" y="1851670"/>
+            <a:ext cx="9144000" cy="628650"/>
+          </a:xfrm>
+        </p:spPr>
+        <p:txBody>
+          <a:bodyPr>
+            <a:noAutofit/>
+          </a:bodyPr>
+          <a:lstStyle/>
+          <a:p>
+            <a:pPr algn="ctr"/>
+            <a:r>
+              <a:rPr lang="zh-CN" altLang="en-US" sz="8000" b="1" dirty="0" smtClean="0">
+                <a:solidFill>
+                  <a:srgbClr val="000066"/>
+                </a:solidFill>
+                <a:effectLst>
+                  <a:outerShdw blurRad="38100" dist="38100" dir="2700000" algn="tl">
+                    <a:srgbClr val="000000">
+                      <a:alpha val="43137"/>
+                    </a:srgbClr>
+                  </a:outerShdw>
+                </a:effectLst>
+                <a:latin typeface="微軟正黑體" pitchFamily="34" charset="-120"/>
+                <a:ea typeface="微軟正黑體" pitchFamily="34" charset="-120"/>
+              </a:rPr>
+              <a:t>恭讀經訓</a:t>
+            </a:r>
+            <a:endParaRPr lang="zh-TW" altLang="en-US" sz="8000" b="1" dirty="0">
+              <a:solidFill>
+                <a:srgbClr val="000066"/>
+              </a:solidFill>
+              <a:effectLst>
+                <a:outerShdw blurRad="38100" dist="38100" dir="2700000" algn="tl">
+                  <a:srgbClr val="000000">
+                    <a:alpha val="43137"/>
+                  </a:srgbClr>
+                </a:outerShdw>
+              </a:effectLst>
+              <a:latin typeface="微軟正黑體" pitchFamily="34" charset="-120"/>
+              <a:ea typeface="微軟正黑體" pitchFamily="34" charset="-120"/>
+            </a:endParaRPr>
+          </a:p>
+        </p:txBody>
+      </p:sp>
+      <p:sp>
+        <p:nvSpPr>
+          <p:cNvPr id="4" name="標題 1"/>
+          <p:cNvSpPr txBox="1"/>
+          <p:nvPr/>
+        </p:nvSpPr>
+        <p:spPr>
+          <a:xfrm>
+            <a:off x="0" y="2857502"/>
+            <a:ext cx="9144000" cy="628650"/>
+          </a:xfrm>
+          <a:prstGeom prst="rect">
+            <a:avLst/>
+          </a:prstGeom>
+        </p:spPr>
+        <p:txBody>
+          <a:bodyPr anchor="ctr">
+            <a:noAutofit/>
+          </a:bodyPr>
+          <a:lstStyle/>
+          <a:p>
+            <a:pPr algn="ctr">
+              <a:spcBef>
+                <a:spcPct val="0"/>
+              </a:spcBef>
+            </a:pPr>
+            <a:r>
+              <a:rPr lang="zh-CN" altLang="en-US" sz="4800" b="1" dirty="0" smtClean="0">
+                <a:solidFill>
+                  <a:srgbClr val="660033"/>
+                </a:solidFill>
+                <a:effectLst>
+                  <a:outerShdw blurRad="38100" dist="38100" dir="2700000" algn="tl">
+                    <a:srgbClr val="000000">
+                      <a:alpha val="43137"/>
+                    </a:srgbClr>
+                  </a:outerShdw>
+                </a:effectLst>
+                <a:latin typeface="微軟正黑體" pitchFamily="34" charset="-120"/>
+                <a:ea typeface="微軟正黑體" pitchFamily="34" charset="-120"/>
+                <a:cs typeface="+mj-cs"/>
+              </a:rPr>
+              <a:t>以賽亞書   </a:t>
+            </a:r>
+            <a:r>
+              <a:rPr lang="zh-CN" altLang="en-US" sz="4800" b="1" dirty="0">
+                <a:solidFill>
+                  <a:srgbClr val="660033"/>
+                </a:solidFill>
+                <a:effectLst>
+                  <a:outerShdw blurRad="38100" dist="38100" dir="2700000" algn="tl">
+                    <a:srgbClr val="000000">
+                      <a:alpha val="43137"/>
+                    </a:srgbClr>
+                  </a:outerShdw>
+                </a:effectLst>
+                <a:latin typeface="微軟正黑體" pitchFamily="34" charset="-120"/>
+                <a:ea typeface="微軟正黑體" pitchFamily="34" charset="-120"/>
+                <a:cs typeface="+mj-cs"/>
+              </a:rPr>
+              <a:t>六十三</a:t>
+            </a:r>
+            <a:r>
+              <a:rPr lang="zh-CN" altLang="en-US" sz="4800" b="1" dirty="0" smtClean="0">
+                <a:solidFill>
+                  <a:srgbClr val="660033"/>
+                </a:solidFill>
+                <a:effectLst>
+                  <a:outerShdw blurRad="38100" dist="38100" dir="2700000" algn="tl">
+                    <a:srgbClr val="000000">
+                      <a:alpha val="43137"/>
+                    </a:srgbClr>
+                  </a:outerShdw>
+                </a:effectLst>
+                <a:latin typeface="微軟正黑體" pitchFamily="34" charset="-120"/>
+                <a:ea typeface="微軟正黑體" pitchFamily="34" charset="-120"/>
+                <a:cs typeface="+mj-cs"/>
+              </a:rPr>
+              <a:t> </a:t>
+            </a:r>
+            <a:r>
+              <a:rPr lang="en-US" altLang="zh-CN" sz="4800" b="1" dirty="0" smtClean="0">
+                <a:solidFill>
+                  <a:srgbClr val="660033"/>
+                </a:solidFill>
+                <a:effectLst>
+                  <a:outerShdw blurRad="38100" dist="38100" dir="2700000" algn="tl">
+                    <a:srgbClr val="000000">
+                      <a:alpha val="43137"/>
+                    </a:srgbClr>
+                  </a:outerShdw>
+                </a:effectLst>
+                <a:latin typeface="微軟正黑體" pitchFamily="34" charset="-120"/>
+                <a:ea typeface="微軟正黑體" pitchFamily="34" charset="-120"/>
+                <a:cs typeface="+mj-cs"/>
+              </a:rPr>
+              <a:t>9</a:t>
+            </a:r>
+            <a:endParaRPr lang="en-US" altLang="zh-TW" sz="4800" b="1" dirty="0">
+              <a:solidFill>
+                <a:srgbClr val="660033"/>
+              </a:solidFill>
+              <a:effectLst>
+                <a:outerShdw blurRad="38100" dist="38100" dir="2700000" algn="tl">
+                  <a:srgbClr val="000000">
+                    <a:alpha val="43137"/>
+                  </a:srgbClr>
+                </a:outerShdw>
+              </a:effectLst>
+              <a:latin typeface="微軟正黑體" pitchFamily="34" charset="-120"/>
+              <a:ea typeface="微軟正黑體" pitchFamily="34" charset="-120"/>
+              <a:cs typeface="+mj-cs"/>
+            </a:endParaRPr>
+          </a:p>
+        </p:txBody>
+      </p:sp>
+    </p:spTree>
+  </p:cSld>
+  <p:clrMapOvr>
+    <a:masterClrMapping/>
+  </p:clrMapOvr>
+  <p:timing>
+    <p:tnLst>
+      <p:par>
+        <p:cTn id="1" dur="indefinite" restart="never" nodeType="tmRoot"/>
+      </p:par>
+    </p:tnLst>
+  </p:timing>
+</p:sld>
+</file>
+
+<file path=ppt/slides/slide34.xml><?xml version="1.0" encoding="utf-8"?>
+<p:sld xmlns:a="http://schemas.openxmlformats.org/drawingml/2006/main" xmlns:r="http://schemas.openxmlformats.org/officeDocument/2006/relationships" xmlns:p="http://schemas.openxmlformats.org/presentationml/2006/main">
+  <p:cSld>
+    <p:spTree>
+      <p:nvGrpSpPr>
+        <p:cNvPr id="1" name=""/>
+        <p:cNvGrpSpPr/>
+        <p:nvPr/>
+      </p:nvGrpSpPr>
+      <p:grpSpPr>
+        <a:xfrm>
+          <a:off x="0" y="0"/>
+          <a:ext cx="0" cy="0"/>
+          <a:chOff x="0" y="0"/>
+          <a:chExt cx="0" cy="0"/>
+        </a:xfrm>
+      </p:grpSpPr>
+      <p:sp>
+        <p:nvSpPr>
+          <p:cNvPr id="2" name="標題 1"/>
+          <p:cNvSpPr txBox="1"/>
+          <p:nvPr/>
+        </p:nvSpPr>
+        <p:spPr>
+          <a:xfrm>
+            <a:off x="36512" y="123478"/>
+            <a:ext cx="9107488" cy="628650"/>
+          </a:xfrm>
+          <a:prstGeom prst="rect">
+            <a:avLst/>
+          </a:prstGeom>
+        </p:spPr>
+        <p:txBody>
+          <a:bodyPr anchor="ctr">
+            <a:noAutofit/>
+          </a:bodyPr>
+          <a:lstStyle/>
+          <a:p>
+            <a:pPr lvl="0">
+              <a:spcBef>
+                <a:spcPct val="0"/>
+              </a:spcBef>
+            </a:pPr>
+            <a:endParaRPr lang="en-US" altLang="zh-TW" sz="4800" b="1" dirty="0" smtClean="0">
+              <a:solidFill>
+                <a:srgbClr val="660033"/>
+              </a:solidFill>
+              <a:effectLst>
+                <a:outerShdw blurRad="38100" dist="38100" dir="2700000" algn="tl">
+                  <a:srgbClr val="000000">
+                    <a:alpha val="43137"/>
+                  </a:srgbClr>
+                </a:outerShdw>
+              </a:effectLst>
+              <a:latin typeface="KaiTi" panose="02010609060101010101" pitchFamily="49" charset="-122"/>
+              <a:ea typeface="KaiTi" panose="02010609060101010101" pitchFamily="49" charset="-122"/>
+              <a:cs typeface="+mj-cs"/>
+            </a:endParaRPr>
+          </a:p>
+        </p:txBody>
+      </p:sp>
+      <p:sp>
+        <p:nvSpPr>
+          <p:cNvPr id="3" name="Content Placeholder 4"/>
+          <p:cNvSpPr txBox="1">
+            <a:spLocks/>
+          </p:cNvSpPr>
+          <p:nvPr/>
+        </p:nvSpPr>
+        <p:spPr>
+          <a:xfrm>
+            <a:off x="0" y="0"/>
+            <a:ext cx="9001156" cy="5143500"/>
+          </a:xfrm>
+          <a:prstGeom prst="rect">
+            <a:avLst/>
+          </a:prstGeom>
+        </p:spPr>
+        <p:txBody>
+          <a:bodyPr vert="horz" lIns="91440" tIns="45720" rIns="91440" bIns="45720" rtlCol="0" anchor="ctr">
+            <a:noAutofit/>
+          </a:bodyPr>
+          <a:lstStyle>
+            <a:lvl1pPr marL="342900" indent="-342900" algn="l" defTabSz="914400" rtl="0" eaLnBrk="1" latinLnBrk="0" hangingPunct="1">
+              <a:spcBef>
+                <a:spcPct val="20000"/>
+              </a:spcBef>
+              <a:buFont typeface="Arial" panose="02080604020202020204" pitchFamily="34" charset="0"/>
+              <a:buChar char="•"/>
+              <a:defRPr sz="3200" kern="1200">
+                <a:solidFill>
+                  <a:schemeClr val="tx1"/>
+                </a:solidFill>
+                <a:latin typeface="+mn-lt"/>
+                <a:ea typeface="+mn-ea"/>
+                <a:cs typeface="+mn-cs"/>
+              </a:defRPr>
+            </a:lvl1pPr>
+            <a:lvl2pPr marL="742950" indent="-285750" algn="l" defTabSz="914400" rtl="0" eaLnBrk="1" latinLnBrk="0" hangingPunct="1">
+              <a:spcBef>
+                <a:spcPct val="20000"/>
+              </a:spcBef>
+              <a:buFont typeface="Arial" panose="02080604020202020204" pitchFamily="34" charset="0"/>
+              <a:buChar char="–"/>
+              <a:defRPr sz="2800" kern="1200">
+                <a:solidFill>
+                  <a:schemeClr val="tx1"/>
+                </a:solidFill>
+                <a:latin typeface="+mn-lt"/>
+                <a:ea typeface="+mn-ea"/>
+                <a:cs typeface="+mn-cs"/>
+              </a:defRPr>
+            </a:lvl2pPr>
+            <a:lvl3pPr marL="1143000" indent="-228600" algn="l" defTabSz="914400" rtl="0" eaLnBrk="1" latinLnBrk="0" hangingPunct="1">
+              <a:spcBef>
+                <a:spcPct val="20000"/>
+              </a:spcBef>
+              <a:buFont typeface="Arial" panose="02080604020202020204" pitchFamily="34" charset="0"/>
+              <a:buChar char="•"/>
+              <a:defRPr sz="2400" kern="1200">
+                <a:solidFill>
+                  <a:schemeClr val="tx1"/>
+                </a:solidFill>
+                <a:latin typeface="+mn-lt"/>
+                <a:ea typeface="+mn-ea"/>
+                <a:cs typeface="+mn-cs"/>
+              </a:defRPr>
+            </a:lvl3pPr>
+            <a:lvl4pPr marL="1600200" indent="-228600" algn="l" defTabSz="914400" rtl="0" eaLnBrk="1" latinLnBrk="0" hangingPunct="1">
+              <a:spcBef>
+                <a:spcPct val="20000"/>
+              </a:spcBef>
+              <a:buFont typeface="Arial" panose="02080604020202020204" pitchFamily="34" charset="0"/>
+              <a:buChar char="–"/>
+              <a:defRPr sz="2000" kern="1200">
+                <a:solidFill>
+                  <a:schemeClr val="tx1"/>
+                </a:solidFill>
+                <a:latin typeface="+mn-lt"/>
+                <a:ea typeface="+mn-ea"/>
+                <a:cs typeface="+mn-cs"/>
+              </a:defRPr>
+            </a:lvl4pPr>
+            <a:lvl5pPr marL="2057400" indent="-228600" algn="l" defTabSz="914400" rtl="0" eaLnBrk="1" latinLnBrk="0" hangingPunct="1">
+              <a:spcBef>
+                <a:spcPct val="20000"/>
+              </a:spcBef>
+              <a:buFont typeface="Arial" panose="02080604020202020204" pitchFamily="34" charset="0"/>
+              <a:buChar char="»"/>
+              <a:defRPr sz="2000" kern="1200">
+                <a:solidFill>
+                  <a:schemeClr val="tx1"/>
+                </a:solidFill>
+                <a:latin typeface="+mn-lt"/>
+                <a:ea typeface="+mn-ea"/>
+                <a:cs typeface="+mn-cs"/>
+              </a:defRPr>
+            </a:lvl5pPr>
+            <a:lvl6pPr marL="2514600" indent="-228600" algn="l" defTabSz="914400" rtl="0" eaLnBrk="1" latinLnBrk="0" hangingPunct="1">
+              <a:spcBef>
+                <a:spcPct val="20000"/>
+              </a:spcBef>
+              <a:buFont typeface="Arial" panose="02080604020202020204" pitchFamily="34" charset="0"/>
+              <a:buChar char="•"/>
+              <a:defRPr sz="2000" kern="1200">
+                <a:solidFill>
+                  <a:schemeClr val="tx1"/>
+                </a:solidFill>
+                <a:latin typeface="+mn-lt"/>
+                <a:ea typeface="+mn-ea"/>
+                <a:cs typeface="+mn-cs"/>
+              </a:defRPr>
+            </a:lvl6pPr>
+            <a:lvl7pPr marL="2971800" indent="-228600" algn="l" defTabSz="914400" rtl="0" eaLnBrk="1" latinLnBrk="0" hangingPunct="1">
+              <a:spcBef>
+                <a:spcPct val="20000"/>
+              </a:spcBef>
+              <a:buFont typeface="Arial" panose="02080604020202020204" pitchFamily="34" charset="0"/>
+              <a:buChar char="•"/>
+              <a:defRPr sz="2000" kern="1200">
+                <a:solidFill>
+                  <a:schemeClr val="tx1"/>
+                </a:solidFill>
+                <a:latin typeface="+mn-lt"/>
+                <a:ea typeface="+mn-ea"/>
+                <a:cs typeface="+mn-cs"/>
+              </a:defRPr>
+            </a:lvl7pPr>
+            <a:lvl8pPr marL="3429000" indent="-228600" algn="l" defTabSz="914400" rtl="0" eaLnBrk="1" latinLnBrk="0" hangingPunct="1">
+              <a:spcBef>
+                <a:spcPct val="20000"/>
+              </a:spcBef>
+              <a:buFont typeface="Arial" panose="02080604020202020204" pitchFamily="34" charset="0"/>
+              <a:buChar char="•"/>
+              <a:defRPr sz="2000" kern="1200">
+                <a:solidFill>
+                  <a:schemeClr val="tx1"/>
+                </a:solidFill>
+                <a:latin typeface="+mn-lt"/>
+                <a:ea typeface="+mn-ea"/>
+                <a:cs typeface="+mn-cs"/>
+              </a:defRPr>
+            </a:lvl8pPr>
+            <a:lvl9pPr marL="3886200" indent="-228600" algn="l" defTabSz="914400" rtl="0" eaLnBrk="1" latinLnBrk="0" hangingPunct="1">
+              <a:spcBef>
+                <a:spcPct val="20000"/>
+              </a:spcBef>
+              <a:buFont typeface="Arial" panose="02080604020202020204" pitchFamily="34" charset="0"/>
+              <a:buChar char="•"/>
+              <a:defRPr sz="2000" kern="1200">
+                <a:solidFill>
+                  <a:schemeClr val="tx1"/>
+                </a:solidFill>
+                <a:latin typeface="+mn-lt"/>
+                <a:ea typeface="+mn-ea"/>
+                <a:cs typeface="+mn-cs"/>
+              </a:defRPr>
+            </a:lvl9pPr>
+          </a:lstStyle>
+          <a:p>
+            <a:r>
+              <a:rPr lang="en-US" altLang="zh-CN" sz="4800" b="1" dirty="0" smtClean="0">
+                <a:solidFill>
+                  <a:srgbClr val="000066"/>
+                </a:solidFill>
+                <a:latin typeface="微軟正黑體" pitchFamily="34" charset="-120"/>
+                <a:ea typeface="微軟正黑體" pitchFamily="34" charset="-120"/>
+              </a:rPr>
+              <a:t>9  </a:t>
+            </a:r>
+            <a:r>
+              <a:rPr lang="zh-TW" altLang="en-US" sz="4800" b="1" dirty="0" smtClean="0">
+                <a:solidFill>
+                  <a:srgbClr val="000066"/>
+                </a:solidFill>
+                <a:latin typeface="微軟正黑體" pitchFamily="34" charset="-120"/>
+                <a:ea typeface="微軟正黑體" pitchFamily="34" charset="-120"/>
+              </a:rPr>
+              <a:t>他們</a:t>
+            </a:r>
+            <a:r>
+              <a:rPr lang="zh-TW" altLang="en-US" sz="4800" b="1" dirty="0">
+                <a:solidFill>
+                  <a:srgbClr val="000066"/>
+                </a:solidFill>
+                <a:latin typeface="微軟正黑體" pitchFamily="34" charset="-120"/>
+                <a:ea typeface="微軟正黑體" pitchFamily="34" charset="-120"/>
+              </a:rPr>
+              <a:t>在一切苦難中，他也同受苦難；並且他面前的使者拯救他們；他以慈愛和憐憫救贖他們；在古時的日子常保抱他們，懷搋他們</a:t>
+            </a:r>
+            <a:r>
+              <a:rPr lang="zh-TW" altLang="en-US" sz="4800" b="1" dirty="0" smtClean="0">
+                <a:solidFill>
+                  <a:srgbClr val="000066"/>
+                </a:solidFill>
+                <a:latin typeface="微軟正黑體" pitchFamily="34" charset="-120"/>
+                <a:ea typeface="微軟正黑體" pitchFamily="34" charset="-120"/>
+              </a:rPr>
+              <a:t>。</a:t>
+            </a:r>
+            <a:endParaRPr lang="zh-TW" altLang="en-US" sz="4800" b="1" dirty="0">
+              <a:solidFill>
+                <a:srgbClr val="000066"/>
+              </a:solidFill>
+              <a:latin typeface="微軟正黑體" pitchFamily="34" charset="-120"/>
+              <a:ea typeface="微軟正黑體" pitchFamily="34" charset="-120"/>
+            </a:endParaRPr>
+          </a:p>
+        </p:txBody>
+      </p:sp>
+    </p:spTree>
+    <p:extLst>
+      <p:ext uri="{BB962C8B-B14F-4D97-AF65-F5344CB8AC3E}">
+        <p14:creationId xmlns:p14="http://schemas.microsoft.com/office/powerpoint/2010/main" xmlns="" val="3713214595"/>
       </p:ext>
     </p:extLst>
   </p:cSld>
@@ -6057,7 +6071,7 @@
     </p:spTree>
     <p:extLst>
       <p:ext uri="{BB962C8B-B14F-4D97-AF65-F5344CB8AC3E}">
-        <p14:creationId xmlns:p14="http://schemas.microsoft.com/office/powerpoint/2010/main" xmlns="" val="614024217"/>
+        <p14:creationId xmlns="" xmlns:p14="http://schemas.microsoft.com/office/powerpoint/2010/main" val="614024217"/>
       </p:ext>
     </p:extLst>
   </p:cSld>
@@ -6154,7 +6168,7 @@
     </p:spTree>
     <p:extLst>
       <p:ext uri="{BB962C8B-B14F-4D97-AF65-F5344CB8AC3E}">
-        <p14:creationId xmlns:p14="http://schemas.microsoft.com/office/powerpoint/2010/main" xmlns="" val="614024217"/>
+        <p14:creationId xmlns="" xmlns:p14="http://schemas.microsoft.com/office/powerpoint/2010/main" val="614024217"/>
       </p:ext>
     </p:extLst>
   </p:cSld>
@@ -6251,7 +6265,7 @@
     </p:spTree>
     <p:extLst>
       <p:ext uri="{BB962C8B-B14F-4D97-AF65-F5344CB8AC3E}">
-        <p14:creationId xmlns:p14="http://schemas.microsoft.com/office/powerpoint/2010/main" xmlns="" val="614024217"/>
+        <p14:creationId xmlns="" xmlns:p14="http://schemas.microsoft.com/office/powerpoint/2010/main" val="614024217"/>
       </p:ext>
     </p:extLst>
   </p:cSld>
@@ -6348,7 +6362,7 @@
     </p:spTree>
     <p:extLst>
       <p:ext uri="{BB962C8B-B14F-4D97-AF65-F5344CB8AC3E}">
-        <p14:creationId xmlns:p14="http://schemas.microsoft.com/office/powerpoint/2010/main" xmlns="" val="614024217"/>
+        <p14:creationId xmlns="" xmlns:p14="http://schemas.microsoft.com/office/powerpoint/2010/main" val="614024217"/>
       </p:ext>
     </p:extLst>
   </p:cSld>
@@ -6430,47 +6444,7 @@
                 <a:latin typeface="Microsoft JhengHei" pitchFamily="34" charset="-120"/>
                 <a:ea typeface="Microsoft JhengHei" pitchFamily="34" charset="-120"/>
               </a:rPr>
-              <a:t>仰望</a:t>
-            </a:r>
-            <a:r>
-              <a:rPr lang="zh-TW" altLang="en-US" sz="4800" b="1" dirty="0" smtClean="0">
-                <a:solidFill>
-                  <a:srgbClr val="000066"/>
-                </a:solidFill>
-                <a:latin typeface="Microsoft JhengHei" pitchFamily="34" charset="-120"/>
-                <a:ea typeface="Microsoft JhengHei" pitchFamily="34" charset="-120"/>
-              </a:rPr>
-              <a:t>十架</a:t>
-            </a:r>
-            <a:r>
-              <a:rPr lang="zh-TW" altLang="en-US" sz="4800" b="1" dirty="0" smtClean="0">
-                <a:solidFill>
-                  <a:srgbClr val="000066"/>
-                </a:solidFill>
-                <a:latin typeface="Microsoft JhengHei" pitchFamily="34" charset="-120"/>
-                <a:ea typeface="Microsoft JhengHei" pitchFamily="34" charset="-120"/>
-              </a:rPr>
-              <a:t>前  你</a:t>
-            </a:r>
-            <a:r>
-              <a:rPr lang="zh-TW" altLang="en-US" sz="4800" b="1" dirty="0" smtClean="0">
-                <a:solidFill>
-                  <a:srgbClr val="000066"/>
-                </a:solidFill>
-                <a:latin typeface="Microsoft JhengHei" pitchFamily="34" charset="-120"/>
-                <a:ea typeface="Microsoft JhengHei" pitchFamily="34" charset="-120"/>
-              </a:rPr>
-              <a:t>為我釘</a:t>
-            </a:r>
-            <a:r>
-              <a:rPr lang="zh-TW" altLang="en-US" sz="4800" b="1" dirty="0" smtClean="0">
-                <a:solidFill>
-                  <a:srgbClr val="000066"/>
-                </a:solidFill>
-                <a:latin typeface="Microsoft JhengHei" pitchFamily="34" charset="-120"/>
-                <a:ea typeface="Microsoft JhengHei" pitchFamily="34" charset="-120"/>
-              </a:rPr>
-              <a:t>身</a:t>
+              <a:t>仰望十架前  你為我釘身</a:t>
             </a:r>
             <a:endParaRPr lang="en-US" altLang="zh-TW" sz="4800" b="1" dirty="0">
               <a:solidFill>
@@ -6485,7 +6459,7 @@
     </p:spTree>
     <p:extLst>
       <p:ext uri="{BB962C8B-B14F-4D97-AF65-F5344CB8AC3E}">
-        <p14:creationId xmlns:p14="http://schemas.microsoft.com/office/powerpoint/2010/main" xmlns="" val="614024217"/>
+        <p14:creationId xmlns="" xmlns:p14="http://schemas.microsoft.com/office/powerpoint/2010/main" val="614024217"/>
       </p:ext>
     </p:extLst>
   </p:cSld>
@@ -6582,7 +6556,7 @@
     </p:spTree>
     <p:extLst>
       <p:ext uri="{BB962C8B-B14F-4D97-AF65-F5344CB8AC3E}">
-        <p14:creationId xmlns:p14="http://schemas.microsoft.com/office/powerpoint/2010/main" xmlns="" val="614024217"/>
+        <p14:creationId xmlns="" xmlns:p14="http://schemas.microsoft.com/office/powerpoint/2010/main" val="614024217"/>
       </p:ext>
     </p:extLst>
   </p:cSld>
